--- a/디자인/온통카드 차트.pptx
+++ b/디자인/온통카드 차트.pptx
@@ -104,6 +104,11 @@
       </a:defRPr>
     </a:lvl9pPr>
   </p:defaultTextStyle>
+  <p:extLst>
+    <p:ext uri="{EFAFB233-063F-42B5-8137-9DF3F51BA10A}">
+      <p15:sldGuideLst xmlns:p15="http://schemas.microsoft.com/office/powerpoint/2012/main"/>
+    </p:ext>
+  </p:extLst>
 </p:presentation>
 </file>
 
@@ -238,7 +243,7 @@
           <a:p>
             <a:fld id="{D81C923D-DB92-4D9B-A407-2F6812E2AADD}" type="datetimeFigureOut">
               <a:rPr lang="ko-KR" altLang="en-US" smtClean="0"/>
-              <a:t>2023-10-10</a:t>
+              <a:t>2023-10-12</a:t>
             </a:fld>
             <a:endParaRPr lang="ko-KR" altLang="en-US"/>
           </a:p>
@@ -408,7 +413,7 @@
           <a:p>
             <a:fld id="{D81C923D-DB92-4D9B-A407-2F6812E2AADD}" type="datetimeFigureOut">
               <a:rPr lang="ko-KR" altLang="en-US" smtClean="0"/>
-              <a:t>2023-10-10</a:t>
+              <a:t>2023-10-12</a:t>
             </a:fld>
             <a:endParaRPr lang="ko-KR" altLang="en-US"/>
           </a:p>
@@ -588,7 +593,7 @@
           <a:p>
             <a:fld id="{D81C923D-DB92-4D9B-A407-2F6812E2AADD}" type="datetimeFigureOut">
               <a:rPr lang="ko-KR" altLang="en-US" smtClean="0"/>
-              <a:t>2023-10-10</a:t>
+              <a:t>2023-10-12</a:t>
             </a:fld>
             <a:endParaRPr lang="ko-KR" altLang="en-US"/>
           </a:p>
@@ -758,7 +763,7 @@
           <a:p>
             <a:fld id="{D81C923D-DB92-4D9B-A407-2F6812E2AADD}" type="datetimeFigureOut">
               <a:rPr lang="ko-KR" altLang="en-US" smtClean="0"/>
-              <a:t>2023-10-10</a:t>
+              <a:t>2023-10-12</a:t>
             </a:fld>
             <a:endParaRPr lang="ko-KR" altLang="en-US"/>
           </a:p>
@@ -1004,7 +1009,7 @@
           <a:p>
             <a:fld id="{D81C923D-DB92-4D9B-A407-2F6812E2AADD}" type="datetimeFigureOut">
               <a:rPr lang="ko-KR" altLang="en-US" smtClean="0"/>
-              <a:t>2023-10-10</a:t>
+              <a:t>2023-10-12</a:t>
             </a:fld>
             <a:endParaRPr lang="ko-KR" altLang="en-US"/>
           </a:p>
@@ -1236,7 +1241,7 @@
           <a:p>
             <a:fld id="{D81C923D-DB92-4D9B-A407-2F6812E2AADD}" type="datetimeFigureOut">
               <a:rPr lang="ko-KR" altLang="en-US" smtClean="0"/>
-              <a:t>2023-10-10</a:t>
+              <a:t>2023-10-12</a:t>
             </a:fld>
             <a:endParaRPr lang="ko-KR" altLang="en-US"/>
           </a:p>
@@ -1603,7 +1608,7 @@
           <a:p>
             <a:fld id="{D81C923D-DB92-4D9B-A407-2F6812E2AADD}" type="datetimeFigureOut">
               <a:rPr lang="ko-KR" altLang="en-US" smtClean="0"/>
-              <a:t>2023-10-10</a:t>
+              <a:t>2023-10-12</a:t>
             </a:fld>
             <a:endParaRPr lang="ko-KR" altLang="en-US"/>
           </a:p>
@@ -1721,7 +1726,7 @@
           <a:p>
             <a:fld id="{D81C923D-DB92-4D9B-A407-2F6812E2AADD}" type="datetimeFigureOut">
               <a:rPr lang="ko-KR" altLang="en-US" smtClean="0"/>
-              <a:t>2023-10-10</a:t>
+              <a:t>2023-10-12</a:t>
             </a:fld>
             <a:endParaRPr lang="ko-KR" altLang="en-US"/>
           </a:p>
@@ -1816,7 +1821,7 @@
           <a:p>
             <a:fld id="{D81C923D-DB92-4D9B-A407-2F6812E2AADD}" type="datetimeFigureOut">
               <a:rPr lang="ko-KR" altLang="en-US" smtClean="0"/>
-              <a:t>2023-10-10</a:t>
+              <a:t>2023-10-12</a:t>
             </a:fld>
             <a:endParaRPr lang="ko-KR" altLang="en-US"/>
           </a:p>
@@ -2093,7 +2098,7 @@
           <a:p>
             <a:fld id="{D81C923D-DB92-4D9B-A407-2F6812E2AADD}" type="datetimeFigureOut">
               <a:rPr lang="ko-KR" altLang="en-US" smtClean="0"/>
-              <a:t>2023-10-10</a:t>
+              <a:t>2023-10-12</a:t>
             </a:fld>
             <a:endParaRPr lang="ko-KR" altLang="en-US"/>
           </a:p>
@@ -2346,7 +2351,7 @@
           <a:p>
             <a:fld id="{D81C923D-DB92-4D9B-A407-2F6812E2AADD}" type="datetimeFigureOut">
               <a:rPr lang="ko-KR" altLang="en-US" smtClean="0"/>
-              <a:t>2023-10-10</a:t>
+              <a:t>2023-10-12</a:t>
             </a:fld>
             <a:endParaRPr lang="ko-KR" altLang="en-US"/>
           </a:p>
@@ -2559,7 +2564,7 @@
           <a:p>
             <a:fld id="{D81C923D-DB92-4D9B-A407-2F6812E2AADD}" type="datetimeFigureOut">
               <a:rPr lang="ko-KR" altLang="en-US" smtClean="0"/>
-              <a:t>2023-10-10</a:t>
+              <a:t>2023-10-12</a:t>
             </a:fld>
             <a:endParaRPr lang="ko-KR" altLang="en-US"/>
           </a:p>
@@ -3006,7 +3011,7 @@
           <a:lstStyle/>
           <a:p>
             <a:pPr algn="ctr"/>
-            <a:endParaRPr lang="ko-KR" altLang="en-US"/>
+            <a:endParaRPr lang="ko-KR" altLang="en-US" dirty="0"/>
           </a:p>
         </p:txBody>
       </p:sp>
@@ -3054,7 +3059,7 @@
           <a:lstStyle/>
           <a:p>
             <a:pPr algn="ctr"/>
-            <a:endParaRPr lang="ko-KR" altLang="en-US"/>
+            <a:endParaRPr lang="ko-KR" altLang="en-US" dirty="0"/>
           </a:p>
         </p:txBody>
       </p:sp>
@@ -3412,6 +3417,1389 @@
             </a:r>
             <a:endParaRPr lang="ko-KR" altLang="en-US" sz="900" dirty="0">
               <a:latin typeface="Arial Narrow" panose="020B0606020202030204" pitchFamily="34" charset="0"/>
+            </a:endParaRPr>
+          </a:p>
+        </p:txBody>
+      </p:sp>
+      <p:sp>
+        <p:nvSpPr>
+          <p:cNvPr id="2" name="TextBox 1"/>
+          <p:cNvSpPr txBox="1"/>
+          <p:nvPr/>
+        </p:nvSpPr>
+        <p:spPr>
+          <a:xfrm>
+            <a:off x="1204771" y="2871949"/>
+            <a:ext cx="2848857" cy="2862322"/>
+          </a:xfrm>
+          <a:prstGeom prst="rect">
+            <a:avLst/>
+          </a:prstGeom>
+          <a:noFill/>
+        </p:spPr>
+        <p:txBody>
+          <a:bodyPr wrap="none" rtlCol="0">
+            <a:spAutoFit/>
+          </a:bodyPr>
+          <a:lstStyle/>
+          <a:p>
+            <a:pPr marL="342900" indent="-342900" algn="r">
+              <a:lnSpc>
+                <a:spcPct val="200000"/>
+              </a:lnSpc>
+              <a:buFont typeface="+mj-ea"/>
+              <a:buAutoNum type="circleNumDbPlain"/>
+            </a:pPr>
+            <a:r>
+              <a:rPr lang="ko-KR" altLang="en-US" sz="900" kern="2500" dirty="0" smtClean="0">
+                <a:solidFill>
+                  <a:schemeClr val="accent1">
+                    <a:lumMod val="75000"/>
+                  </a:schemeClr>
+                </a:solidFill>
+              </a:rPr>
+              <a:t>이벤트</a:t>
+            </a:r>
+            <a:r>
+              <a:rPr lang="en-US" altLang="ko-KR" sz="900" kern="2500" dirty="0" smtClean="0">
+                <a:solidFill>
+                  <a:schemeClr val="accent1">
+                    <a:lumMod val="75000"/>
+                  </a:schemeClr>
+                </a:solidFill>
+              </a:rPr>
+              <a:t>, </a:t>
+            </a:r>
+            <a:r>
+              <a:rPr lang="ko-KR" altLang="en-US" sz="900" kern="2500" dirty="0" smtClean="0">
+                <a:solidFill>
+                  <a:schemeClr val="accent1">
+                    <a:lumMod val="75000"/>
+                  </a:schemeClr>
+                </a:solidFill>
+              </a:rPr>
+              <a:t>선물하기 금액 등 단순 정보 문의</a:t>
+            </a:r>
+            <a:endParaRPr lang="en-US" altLang="ko-KR" sz="900" kern="2500" dirty="0" smtClean="0">
+              <a:solidFill>
+                <a:schemeClr val="accent1">
+                  <a:lumMod val="75000"/>
+                </a:schemeClr>
+              </a:solidFill>
+            </a:endParaRPr>
+          </a:p>
+          <a:p>
+            <a:pPr marL="342900" indent="-342900" algn="r">
+              <a:lnSpc>
+                <a:spcPct val="200000"/>
+              </a:lnSpc>
+              <a:buFont typeface="+mj-ea"/>
+              <a:buAutoNum type="circleNumDbPlain"/>
+            </a:pPr>
+            <a:r>
+              <a:rPr lang="ko-KR" altLang="en-US" sz="900" kern="2500" dirty="0" smtClean="0">
+                <a:solidFill>
+                  <a:schemeClr val="accent1">
+                    <a:lumMod val="75000"/>
+                  </a:schemeClr>
+                </a:solidFill>
+              </a:rPr>
+              <a:t>지도상 가맹점 찾기 기능 불편</a:t>
+            </a:r>
+            <a:endParaRPr lang="en-US" altLang="ko-KR" sz="900" kern="2500" dirty="0" smtClean="0">
+              <a:solidFill>
+                <a:schemeClr val="accent1">
+                  <a:lumMod val="75000"/>
+                </a:schemeClr>
+              </a:solidFill>
+            </a:endParaRPr>
+          </a:p>
+          <a:p>
+            <a:pPr marL="342900" indent="-342900" algn="r">
+              <a:lnSpc>
+                <a:spcPct val="200000"/>
+              </a:lnSpc>
+              <a:buFont typeface="+mj-ea"/>
+              <a:buAutoNum type="circleNumDbPlain"/>
+            </a:pPr>
+            <a:r>
+              <a:rPr lang="ko-KR" altLang="en-US" sz="900" kern="2500" dirty="0" smtClean="0">
+                <a:solidFill>
+                  <a:schemeClr val="accent1">
+                    <a:lumMod val="75000"/>
+                  </a:schemeClr>
+                </a:solidFill>
+              </a:rPr>
+              <a:t>가맹점의 은행</a:t>
+            </a:r>
+            <a:r>
+              <a:rPr lang="en-US" altLang="ko-KR" sz="900" kern="2500" dirty="0" smtClean="0">
+                <a:solidFill>
+                  <a:schemeClr val="accent1">
+                    <a:lumMod val="75000"/>
+                  </a:schemeClr>
+                </a:solidFill>
+              </a:rPr>
+              <a:t>, </a:t>
+            </a:r>
+            <a:r>
+              <a:rPr lang="ko-KR" altLang="en-US" sz="900" kern="2500" dirty="0" smtClean="0">
+                <a:solidFill>
+                  <a:schemeClr val="accent1">
+                    <a:lumMod val="75000"/>
+                  </a:schemeClr>
+                </a:solidFill>
+              </a:rPr>
+              <a:t>계좌 정보 확인 불편</a:t>
+            </a:r>
+            <a:endParaRPr lang="en-US" altLang="ko-KR" sz="900" kern="2500" dirty="0" smtClean="0">
+              <a:solidFill>
+                <a:schemeClr val="accent1">
+                  <a:lumMod val="75000"/>
+                </a:schemeClr>
+              </a:solidFill>
+            </a:endParaRPr>
+          </a:p>
+          <a:p>
+            <a:pPr marL="342900" indent="-342900" algn="r">
+              <a:lnSpc>
+                <a:spcPct val="200000"/>
+              </a:lnSpc>
+              <a:buFont typeface="+mj-ea"/>
+              <a:buAutoNum type="circleNumDbPlain"/>
+            </a:pPr>
+            <a:r>
+              <a:rPr lang="ko-KR" altLang="en-US" sz="900" kern="2500" dirty="0" smtClean="0">
+                <a:solidFill>
+                  <a:schemeClr val="accent1">
+                    <a:lumMod val="75000"/>
+                  </a:schemeClr>
+                </a:solidFill>
+              </a:rPr>
+              <a:t>현금영수증 발행</a:t>
+            </a:r>
+            <a:r>
+              <a:rPr lang="en-US" altLang="ko-KR" sz="900" kern="2500" dirty="0" smtClean="0">
+                <a:solidFill>
+                  <a:schemeClr val="accent1">
+                    <a:lumMod val="75000"/>
+                  </a:schemeClr>
+                </a:solidFill>
+              </a:rPr>
+              <a:t>, </a:t>
+            </a:r>
+            <a:r>
+              <a:rPr lang="ko-KR" altLang="en-US" sz="900" kern="2500" dirty="0" smtClean="0">
+                <a:solidFill>
+                  <a:schemeClr val="accent1">
+                    <a:lumMod val="75000"/>
+                  </a:schemeClr>
+                </a:solidFill>
+              </a:rPr>
+              <a:t>확인</a:t>
+            </a:r>
+            <a:r>
+              <a:rPr lang="en-US" altLang="ko-KR" sz="900" kern="2500" dirty="0" smtClean="0">
+                <a:solidFill>
+                  <a:schemeClr val="accent1">
+                    <a:lumMod val="75000"/>
+                  </a:schemeClr>
+                </a:solidFill>
+              </a:rPr>
+              <a:t>, </a:t>
+            </a:r>
+            <a:r>
+              <a:rPr lang="ko-KR" altLang="en-US" sz="900" kern="2500" dirty="0" smtClean="0">
+                <a:solidFill>
+                  <a:schemeClr val="accent1">
+                    <a:lumMod val="75000"/>
+                  </a:schemeClr>
+                </a:solidFill>
+              </a:rPr>
+              <a:t>출력 등 문의</a:t>
+            </a:r>
+            <a:endParaRPr lang="en-US" altLang="ko-KR" sz="900" kern="2500" dirty="0" smtClean="0">
+              <a:solidFill>
+                <a:schemeClr val="accent1">
+                  <a:lumMod val="75000"/>
+                </a:schemeClr>
+              </a:solidFill>
+            </a:endParaRPr>
+          </a:p>
+          <a:p>
+            <a:pPr marL="342900" indent="-342900" algn="r">
+              <a:lnSpc>
+                <a:spcPct val="200000"/>
+              </a:lnSpc>
+              <a:buFont typeface="+mj-ea"/>
+              <a:buAutoNum type="circleNumDbPlain"/>
+            </a:pPr>
+            <a:r>
+              <a:rPr lang="ko-KR" altLang="en-US" sz="900" kern="2500" dirty="0" smtClean="0">
+                <a:solidFill>
+                  <a:schemeClr val="accent1">
+                    <a:lumMod val="75000"/>
+                  </a:schemeClr>
+                </a:solidFill>
+              </a:rPr>
+              <a:t>배달 결제에 대한 모바일 시루 사용 문의</a:t>
+            </a:r>
+            <a:endParaRPr lang="en-US" altLang="ko-KR" sz="900" kern="2500" dirty="0" smtClean="0">
+              <a:solidFill>
+                <a:schemeClr val="accent1">
+                  <a:lumMod val="75000"/>
+                </a:schemeClr>
+              </a:solidFill>
+            </a:endParaRPr>
+          </a:p>
+          <a:p>
+            <a:pPr marL="342900" indent="-342900" algn="r">
+              <a:lnSpc>
+                <a:spcPct val="200000"/>
+              </a:lnSpc>
+              <a:buFont typeface="+mj-ea"/>
+              <a:buAutoNum type="circleNumDbPlain"/>
+            </a:pPr>
+            <a:r>
+              <a:rPr lang="ko-KR" altLang="en-US" sz="900" kern="2500" dirty="0" smtClean="0">
+                <a:solidFill>
+                  <a:schemeClr val="accent1">
+                    <a:lumMod val="75000"/>
+                  </a:schemeClr>
+                </a:solidFill>
+              </a:rPr>
+              <a:t>원격 결제 방법 등 문의</a:t>
+            </a:r>
+            <a:endParaRPr lang="en-US" altLang="ko-KR" sz="900" kern="2500" dirty="0" smtClean="0">
+              <a:solidFill>
+                <a:schemeClr val="accent1">
+                  <a:lumMod val="75000"/>
+                </a:schemeClr>
+              </a:solidFill>
+            </a:endParaRPr>
+          </a:p>
+          <a:p>
+            <a:pPr marL="342900" indent="-342900" algn="r">
+              <a:lnSpc>
+                <a:spcPct val="200000"/>
+              </a:lnSpc>
+              <a:buFont typeface="+mj-ea"/>
+              <a:buAutoNum type="circleNumDbPlain"/>
+            </a:pPr>
+            <a:r>
+              <a:rPr lang="en-US" altLang="ko-KR" sz="900" kern="2500" dirty="0" smtClean="0">
+                <a:solidFill>
+                  <a:schemeClr val="accent1">
+                    <a:lumMod val="75000"/>
+                  </a:schemeClr>
+                </a:solidFill>
+              </a:rPr>
+              <a:t>QR</a:t>
+            </a:r>
+            <a:r>
+              <a:rPr lang="ko-KR" altLang="en-US" sz="900" kern="2500" dirty="0" smtClean="0">
+                <a:solidFill>
+                  <a:schemeClr val="accent1">
+                    <a:lumMod val="75000"/>
+                  </a:schemeClr>
+                </a:solidFill>
+              </a:rPr>
+              <a:t>코드 사용에 대한 문의</a:t>
+            </a:r>
+            <a:endParaRPr lang="en-US" altLang="ko-KR" sz="900" kern="2500" dirty="0" smtClean="0">
+              <a:solidFill>
+                <a:schemeClr val="accent1">
+                  <a:lumMod val="75000"/>
+                </a:schemeClr>
+              </a:solidFill>
+            </a:endParaRPr>
+          </a:p>
+          <a:p>
+            <a:pPr marL="342900" indent="-342900" algn="r">
+              <a:lnSpc>
+                <a:spcPct val="200000"/>
+              </a:lnSpc>
+              <a:buFont typeface="+mj-ea"/>
+              <a:buAutoNum type="circleNumDbPlain"/>
+            </a:pPr>
+            <a:r>
+              <a:rPr lang="ko-KR" altLang="en-US" sz="900" kern="2500" dirty="0" smtClean="0">
+                <a:solidFill>
+                  <a:schemeClr val="accent2">
+                    <a:lumMod val="75000"/>
+                  </a:schemeClr>
+                </a:solidFill>
+              </a:rPr>
+              <a:t>가맹점 폐점</a:t>
+            </a:r>
+            <a:r>
+              <a:rPr lang="en-US" altLang="ko-KR" sz="900" kern="2500" dirty="0" smtClean="0">
+                <a:solidFill>
+                  <a:schemeClr val="accent2">
+                    <a:lumMod val="75000"/>
+                  </a:schemeClr>
+                </a:solidFill>
+              </a:rPr>
+              <a:t>, </a:t>
+            </a:r>
+            <a:r>
+              <a:rPr lang="ko-KR" altLang="en-US" sz="900" kern="2500" dirty="0" smtClean="0">
+                <a:solidFill>
+                  <a:schemeClr val="accent2">
+                    <a:lumMod val="75000"/>
+                  </a:schemeClr>
+                </a:solidFill>
+              </a:rPr>
+              <a:t>변경 등으로 인한 혼선</a:t>
+            </a:r>
+            <a:endParaRPr lang="en-US" altLang="ko-KR" sz="900" kern="2500" dirty="0" smtClean="0">
+              <a:solidFill>
+                <a:schemeClr val="accent2">
+                  <a:lumMod val="75000"/>
+                </a:schemeClr>
+              </a:solidFill>
+            </a:endParaRPr>
+          </a:p>
+          <a:p>
+            <a:pPr marL="342900" indent="-342900" algn="r">
+              <a:lnSpc>
+                <a:spcPct val="200000"/>
+              </a:lnSpc>
+              <a:buFont typeface="+mj-ea"/>
+              <a:buAutoNum type="circleNumDbPlain"/>
+            </a:pPr>
+            <a:r>
+              <a:rPr lang="ko-KR" altLang="en-US" sz="900" kern="2500" dirty="0" smtClean="0">
+                <a:solidFill>
+                  <a:schemeClr val="accent2">
+                    <a:lumMod val="75000"/>
+                  </a:schemeClr>
+                </a:solidFill>
+              </a:rPr>
+              <a:t>가맹점의 모바일 시루 결제 거부</a:t>
+            </a:r>
+            <a:endParaRPr lang="en-US" altLang="ko-KR" sz="900" kern="2500" dirty="0" smtClean="0">
+              <a:solidFill>
+                <a:schemeClr val="accent2">
+                  <a:lumMod val="75000"/>
+                </a:schemeClr>
+              </a:solidFill>
+            </a:endParaRPr>
+          </a:p>
+          <a:p>
+            <a:pPr marL="342900" indent="-342900" algn="r">
+              <a:lnSpc>
+                <a:spcPct val="200000"/>
+              </a:lnSpc>
+              <a:buFont typeface="+mj-ea"/>
+              <a:buAutoNum type="circleNumDbPlain"/>
+            </a:pPr>
+            <a:r>
+              <a:rPr lang="ko-KR" altLang="en-US" sz="900" kern="2500" dirty="0" smtClean="0">
+                <a:solidFill>
+                  <a:schemeClr val="accent2">
+                    <a:lumMod val="75000"/>
+                  </a:schemeClr>
+                </a:solidFill>
+              </a:rPr>
+              <a:t>모바일 시루 전체 결제 과정의 진행속도 느림</a:t>
+            </a:r>
+            <a:endParaRPr lang="ko-KR" altLang="en-US" sz="900" kern="2500" dirty="0">
+              <a:solidFill>
+                <a:schemeClr val="accent2">
+                  <a:lumMod val="75000"/>
+                </a:schemeClr>
+              </a:solidFill>
+            </a:endParaRPr>
+          </a:p>
+        </p:txBody>
+      </p:sp>
+      <p:cxnSp>
+        <p:nvCxnSpPr>
+          <p:cNvPr id="9" name="직선 연결선 8"/>
+          <p:cNvCxnSpPr/>
+          <p:nvPr/>
+        </p:nvCxnSpPr>
+        <p:spPr>
+          <a:xfrm>
+            <a:off x="4360537" y="3069772"/>
+            <a:ext cx="634482" cy="0"/>
+          </a:xfrm>
+          <a:prstGeom prst="line">
+            <a:avLst/>
+          </a:prstGeom>
+          <a:ln w="101600" cap="rnd">
+            <a:solidFill>
+              <a:schemeClr val="accent1">
+                <a:lumMod val="50000"/>
+              </a:schemeClr>
+            </a:solidFill>
+          </a:ln>
+        </p:spPr>
+        <p:style>
+          <a:lnRef idx="1">
+            <a:schemeClr val="accent1"/>
+          </a:lnRef>
+          <a:fillRef idx="0">
+            <a:schemeClr val="accent1"/>
+          </a:fillRef>
+          <a:effectRef idx="0">
+            <a:schemeClr val="accent1"/>
+          </a:effectRef>
+          <a:fontRef idx="minor">
+            <a:schemeClr val="tx1"/>
+          </a:fontRef>
+        </p:style>
+      </p:cxnSp>
+      <p:cxnSp>
+        <p:nvCxnSpPr>
+          <p:cNvPr id="15" name="직선 연결선 14"/>
+          <p:cNvCxnSpPr/>
+          <p:nvPr/>
+        </p:nvCxnSpPr>
+        <p:spPr>
+          <a:xfrm>
+            <a:off x="4360537" y="3344507"/>
+            <a:ext cx="1704361" cy="0"/>
+          </a:xfrm>
+          <a:prstGeom prst="line">
+            <a:avLst/>
+          </a:prstGeom>
+          <a:ln w="101600" cap="rnd">
+            <a:solidFill>
+              <a:schemeClr val="accent1">
+                <a:lumMod val="50000"/>
+              </a:schemeClr>
+            </a:solidFill>
+          </a:ln>
+        </p:spPr>
+        <p:style>
+          <a:lnRef idx="1">
+            <a:schemeClr val="accent1"/>
+          </a:lnRef>
+          <a:fillRef idx="0">
+            <a:schemeClr val="accent1"/>
+          </a:fillRef>
+          <a:effectRef idx="0">
+            <a:schemeClr val="accent1"/>
+          </a:effectRef>
+          <a:fontRef idx="minor">
+            <a:schemeClr val="tx1"/>
+          </a:fontRef>
+        </p:style>
+      </p:cxnSp>
+      <p:cxnSp>
+        <p:nvCxnSpPr>
+          <p:cNvPr id="16" name="직선 연결선 15"/>
+          <p:cNvCxnSpPr/>
+          <p:nvPr/>
+        </p:nvCxnSpPr>
+        <p:spPr>
+          <a:xfrm>
+            <a:off x="4360537" y="3619242"/>
+            <a:ext cx="1268964" cy="0"/>
+          </a:xfrm>
+          <a:prstGeom prst="line">
+            <a:avLst/>
+          </a:prstGeom>
+          <a:ln w="101600" cap="rnd">
+            <a:solidFill>
+              <a:schemeClr val="accent1">
+                <a:lumMod val="50000"/>
+              </a:schemeClr>
+            </a:solidFill>
+          </a:ln>
+        </p:spPr>
+        <p:style>
+          <a:lnRef idx="1">
+            <a:schemeClr val="accent1"/>
+          </a:lnRef>
+          <a:fillRef idx="0">
+            <a:schemeClr val="accent1"/>
+          </a:fillRef>
+          <a:effectRef idx="0">
+            <a:schemeClr val="accent1"/>
+          </a:effectRef>
+          <a:fontRef idx="minor">
+            <a:schemeClr val="tx1"/>
+          </a:fontRef>
+        </p:style>
+      </p:cxnSp>
+      <p:cxnSp>
+        <p:nvCxnSpPr>
+          <p:cNvPr id="17" name="직선 연결선 16"/>
+          <p:cNvCxnSpPr/>
+          <p:nvPr/>
+        </p:nvCxnSpPr>
+        <p:spPr>
+          <a:xfrm>
+            <a:off x="4360537" y="3893977"/>
+            <a:ext cx="1268964" cy="0"/>
+          </a:xfrm>
+          <a:prstGeom prst="line">
+            <a:avLst/>
+          </a:prstGeom>
+          <a:ln w="101600" cap="rnd">
+            <a:solidFill>
+              <a:schemeClr val="accent1">
+                <a:lumMod val="50000"/>
+              </a:schemeClr>
+            </a:solidFill>
+          </a:ln>
+        </p:spPr>
+        <p:style>
+          <a:lnRef idx="1">
+            <a:schemeClr val="accent1"/>
+          </a:lnRef>
+          <a:fillRef idx="0">
+            <a:schemeClr val="accent1"/>
+          </a:fillRef>
+          <a:effectRef idx="0">
+            <a:schemeClr val="accent1"/>
+          </a:effectRef>
+          <a:fontRef idx="minor">
+            <a:schemeClr val="tx1"/>
+          </a:fontRef>
+        </p:style>
+      </p:cxnSp>
+      <p:cxnSp>
+        <p:nvCxnSpPr>
+          <p:cNvPr id="19" name="직선 연결선 18"/>
+          <p:cNvCxnSpPr/>
+          <p:nvPr/>
+        </p:nvCxnSpPr>
+        <p:spPr>
+          <a:xfrm>
+            <a:off x="4360537" y="4168712"/>
+            <a:ext cx="948581" cy="0"/>
+          </a:xfrm>
+          <a:prstGeom prst="line">
+            <a:avLst/>
+          </a:prstGeom>
+          <a:ln w="101600" cap="rnd">
+            <a:solidFill>
+              <a:schemeClr val="accent1">
+                <a:lumMod val="50000"/>
+              </a:schemeClr>
+            </a:solidFill>
+          </a:ln>
+        </p:spPr>
+        <p:style>
+          <a:lnRef idx="1">
+            <a:schemeClr val="accent1"/>
+          </a:lnRef>
+          <a:fillRef idx="0">
+            <a:schemeClr val="accent1"/>
+          </a:fillRef>
+          <a:effectRef idx="0">
+            <a:schemeClr val="accent1"/>
+          </a:effectRef>
+          <a:fontRef idx="minor">
+            <a:schemeClr val="tx1"/>
+          </a:fontRef>
+        </p:style>
+      </p:cxnSp>
+      <p:cxnSp>
+        <p:nvCxnSpPr>
+          <p:cNvPr id="20" name="직선 연결선 19"/>
+          <p:cNvCxnSpPr/>
+          <p:nvPr/>
+        </p:nvCxnSpPr>
+        <p:spPr>
+          <a:xfrm>
+            <a:off x="4360537" y="4443447"/>
+            <a:ext cx="118157" cy="0"/>
+          </a:xfrm>
+          <a:prstGeom prst="line">
+            <a:avLst/>
+          </a:prstGeom>
+          <a:ln w="101600" cap="rnd">
+            <a:solidFill>
+              <a:schemeClr val="accent1">
+                <a:lumMod val="50000"/>
+              </a:schemeClr>
+            </a:solidFill>
+          </a:ln>
+        </p:spPr>
+        <p:style>
+          <a:lnRef idx="1">
+            <a:schemeClr val="accent1"/>
+          </a:lnRef>
+          <a:fillRef idx="0">
+            <a:schemeClr val="accent1"/>
+          </a:fillRef>
+          <a:effectRef idx="0">
+            <a:schemeClr val="accent1"/>
+          </a:effectRef>
+          <a:fontRef idx="minor">
+            <a:schemeClr val="tx1"/>
+          </a:fontRef>
+        </p:style>
+      </p:cxnSp>
+      <p:cxnSp>
+        <p:nvCxnSpPr>
+          <p:cNvPr id="21" name="직선 연결선 20"/>
+          <p:cNvCxnSpPr/>
+          <p:nvPr/>
+        </p:nvCxnSpPr>
+        <p:spPr>
+          <a:xfrm>
+            <a:off x="4360537" y="4718182"/>
+            <a:ext cx="388745" cy="0"/>
+          </a:xfrm>
+          <a:prstGeom prst="line">
+            <a:avLst/>
+          </a:prstGeom>
+          <a:ln w="101600" cap="rnd">
+            <a:solidFill>
+              <a:schemeClr val="accent1">
+                <a:lumMod val="50000"/>
+              </a:schemeClr>
+            </a:solidFill>
+          </a:ln>
+        </p:spPr>
+        <p:style>
+          <a:lnRef idx="1">
+            <a:schemeClr val="accent1"/>
+          </a:lnRef>
+          <a:fillRef idx="0">
+            <a:schemeClr val="accent1"/>
+          </a:fillRef>
+          <a:effectRef idx="0">
+            <a:schemeClr val="accent1"/>
+          </a:effectRef>
+          <a:fontRef idx="minor">
+            <a:schemeClr val="tx1"/>
+          </a:fontRef>
+        </p:style>
+      </p:cxnSp>
+      <p:cxnSp>
+        <p:nvCxnSpPr>
+          <p:cNvPr id="22" name="직선 연결선 21"/>
+          <p:cNvCxnSpPr/>
+          <p:nvPr/>
+        </p:nvCxnSpPr>
+        <p:spPr>
+          <a:xfrm>
+            <a:off x="4360537" y="4992917"/>
+            <a:ext cx="1704361" cy="0"/>
+          </a:xfrm>
+          <a:prstGeom prst="line">
+            <a:avLst/>
+          </a:prstGeom>
+          <a:ln w="101600" cap="rnd">
+            <a:solidFill>
+              <a:schemeClr val="accent2">
+                <a:lumMod val="75000"/>
+              </a:schemeClr>
+            </a:solidFill>
+          </a:ln>
+        </p:spPr>
+        <p:style>
+          <a:lnRef idx="1">
+            <a:schemeClr val="accent1"/>
+          </a:lnRef>
+          <a:fillRef idx="0">
+            <a:schemeClr val="accent1"/>
+          </a:fillRef>
+          <a:effectRef idx="0">
+            <a:schemeClr val="accent1"/>
+          </a:effectRef>
+          <a:fontRef idx="minor">
+            <a:schemeClr val="tx1"/>
+          </a:fontRef>
+        </p:style>
+      </p:cxnSp>
+      <p:cxnSp>
+        <p:nvCxnSpPr>
+          <p:cNvPr id="23" name="직선 연결선 22"/>
+          <p:cNvCxnSpPr/>
+          <p:nvPr/>
+        </p:nvCxnSpPr>
+        <p:spPr>
+          <a:xfrm>
+            <a:off x="4360537" y="5267652"/>
+            <a:ext cx="2693406" cy="0"/>
+          </a:xfrm>
+          <a:prstGeom prst="line">
+            <a:avLst/>
+          </a:prstGeom>
+          <a:ln w="101600" cap="rnd">
+            <a:solidFill>
+              <a:schemeClr val="accent2">
+                <a:lumMod val="75000"/>
+              </a:schemeClr>
+            </a:solidFill>
+          </a:ln>
+        </p:spPr>
+        <p:style>
+          <a:lnRef idx="1">
+            <a:schemeClr val="accent1"/>
+          </a:lnRef>
+          <a:fillRef idx="0">
+            <a:schemeClr val="accent1"/>
+          </a:fillRef>
+          <a:effectRef idx="0">
+            <a:schemeClr val="accent1"/>
+          </a:effectRef>
+          <a:fontRef idx="minor">
+            <a:schemeClr val="tx1"/>
+          </a:fontRef>
+        </p:style>
+      </p:cxnSp>
+      <p:cxnSp>
+        <p:nvCxnSpPr>
+          <p:cNvPr id="24" name="직선 연결선 23"/>
+          <p:cNvCxnSpPr/>
+          <p:nvPr/>
+        </p:nvCxnSpPr>
+        <p:spPr>
+          <a:xfrm>
+            <a:off x="4360537" y="5542386"/>
+            <a:ext cx="705985" cy="0"/>
+          </a:xfrm>
+          <a:prstGeom prst="line">
+            <a:avLst/>
+          </a:prstGeom>
+          <a:ln w="101600" cap="rnd">
+            <a:solidFill>
+              <a:schemeClr val="accent2">
+                <a:lumMod val="75000"/>
+              </a:schemeClr>
+            </a:solidFill>
+          </a:ln>
+        </p:spPr>
+        <p:style>
+          <a:lnRef idx="1">
+            <a:schemeClr val="accent1"/>
+          </a:lnRef>
+          <a:fillRef idx="0">
+            <a:schemeClr val="accent1"/>
+          </a:fillRef>
+          <a:effectRef idx="0">
+            <a:schemeClr val="accent1"/>
+          </a:effectRef>
+          <a:fontRef idx="minor">
+            <a:schemeClr val="tx1"/>
+          </a:fontRef>
+        </p:style>
+      </p:cxnSp>
+      <p:cxnSp>
+        <p:nvCxnSpPr>
+          <p:cNvPr id="33" name="직선 연결선 32"/>
+          <p:cNvCxnSpPr/>
+          <p:nvPr/>
+        </p:nvCxnSpPr>
+        <p:spPr>
+          <a:xfrm>
+            <a:off x="6298163" y="3060442"/>
+            <a:ext cx="1306286" cy="0"/>
+          </a:xfrm>
+          <a:prstGeom prst="line">
+            <a:avLst/>
+          </a:prstGeom>
+          <a:ln w="12700">
+            <a:solidFill>
+              <a:schemeClr val="tx1"/>
+            </a:solidFill>
+            <a:prstDash val="sysDash"/>
+          </a:ln>
+        </p:spPr>
+        <p:style>
+          <a:lnRef idx="1">
+            <a:schemeClr val="accent1"/>
+          </a:lnRef>
+          <a:fillRef idx="0">
+            <a:schemeClr val="accent1"/>
+          </a:fillRef>
+          <a:effectRef idx="0">
+            <a:schemeClr val="accent1"/>
+          </a:effectRef>
+          <a:fontRef idx="minor">
+            <a:schemeClr val="tx1"/>
+          </a:fontRef>
+        </p:style>
+      </p:cxnSp>
+      <p:cxnSp>
+        <p:nvCxnSpPr>
+          <p:cNvPr id="35" name="직선 연결선 34"/>
+          <p:cNvCxnSpPr/>
+          <p:nvPr/>
+        </p:nvCxnSpPr>
+        <p:spPr>
+          <a:xfrm>
+            <a:off x="6298163" y="4699522"/>
+            <a:ext cx="1306286" cy="0"/>
+          </a:xfrm>
+          <a:prstGeom prst="line">
+            <a:avLst/>
+          </a:prstGeom>
+          <a:ln w="12700">
+            <a:solidFill>
+              <a:schemeClr val="tx1"/>
+            </a:solidFill>
+            <a:prstDash val="sysDash"/>
+          </a:ln>
+        </p:spPr>
+        <p:style>
+          <a:lnRef idx="1">
+            <a:schemeClr val="accent1"/>
+          </a:lnRef>
+          <a:fillRef idx="0">
+            <a:schemeClr val="accent1"/>
+          </a:fillRef>
+          <a:effectRef idx="0">
+            <a:schemeClr val="accent1"/>
+          </a:effectRef>
+          <a:fontRef idx="minor">
+            <a:schemeClr val="tx1"/>
+          </a:fontRef>
+        </p:style>
+      </p:cxnSp>
+      <p:cxnSp>
+        <p:nvCxnSpPr>
+          <p:cNvPr id="39" name="직선 연결선 38"/>
+          <p:cNvCxnSpPr/>
+          <p:nvPr/>
+        </p:nvCxnSpPr>
+        <p:spPr>
+          <a:xfrm>
+            <a:off x="7604449" y="3069772"/>
+            <a:ext cx="0" cy="1648410"/>
+          </a:xfrm>
+          <a:prstGeom prst="line">
+            <a:avLst/>
+          </a:prstGeom>
+          <a:ln w="12700">
+            <a:solidFill>
+              <a:schemeClr val="tx1"/>
+            </a:solidFill>
+            <a:prstDash val="sysDash"/>
+          </a:ln>
+        </p:spPr>
+        <p:style>
+          <a:lnRef idx="1">
+            <a:schemeClr val="accent1"/>
+          </a:lnRef>
+          <a:fillRef idx="0">
+            <a:schemeClr val="accent1"/>
+          </a:fillRef>
+          <a:effectRef idx="0">
+            <a:schemeClr val="accent1"/>
+          </a:effectRef>
+          <a:fontRef idx="minor">
+            <a:schemeClr val="tx1"/>
+          </a:fontRef>
+        </p:style>
+      </p:cxnSp>
+      <p:cxnSp>
+        <p:nvCxnSpPr>
+          <p:cNvPr id="41" name="직선 연결선 40"/>
+          <p:cNvCxnSpPr/>
+          <p:nvPr/>
+        </p:nvCxnSpPr>
+        <p:spPr>
+          <a:xfrm>
+            <a:off x="7604449" y="3893977"/>
+            <a:ext cx="447869" cy="0"/>
+          </a:xfrm>
+          <a:prstGeom prst="line">
+            <a:avLst/>
+          </a:prstGeom>
+          <a:ln w="12700">
+            <a:solidFill>
+              <a:schemeClr val="tx1"/>
+            </a:solidFill>
+            <a:prstDash val="sysDash"/>
+          </a:ln>
+        </p:spPr>
+        <p:style>
+          <a:lnRef idx="1">
+            <a:schemeClr val="accent1"/>
+          </a:lnRef>
+          <a:fillRef idx="0">
+            <a:schemeClr val="accent1"/>
+          </a:fillRef>
+          <a:effectRef idx="0">
+            <a:schemeClr val="accent1"/>
+          </a:effectRef>
+          <a:fontRef idx="minor">
+            <a:schemeClr val="tx1"/>
+          </a:fontRef>
+        </p:style>
+      </p:cxnSp>
+      <p:cxnSp>
+        <p:nvCxnSpPr>
+          <p:cNvPr id="42" name="직선 연결선 41"/>
+          <p:cNvCxnSpPr/>
+          <p:nvPr/>
+        </p:nvCxnSpPr>
+        <p:spPr>
+          <a:xfrm>
+            <a:off x="6298163" y="4989810"/>
+            <a:ext cx="1754155" cy="0"/>
+          </a:xfrm>
+          <a:prstGeom prst="line">
+            <a:avLst/>
+          </a:prstGeom>
+          <a:ln w="12700">
+            <a:solidFill>
+              <a:schemeClr val="tx1"/>
+            </a:solidFill>
+            <a:prstDash val="sysDash"/>
+          </a:ln>
+        </p:spPr>
+        <p:style>
+          <a:lnRef idx="1">
+            <a:schemeClr val="accent1"/>
+          </a:lnRef>
+          <a:fillRef idx="0">
+            <a:schemeClr val="accent1"/>
+          </a:fillRef>
+          <a:effectRef idx="0">
+            <a:schemeClr val="accent1"/>
+          </a:effectRef>
+          <a:fontRef idx="minor">
+            <a:schemeClr val="tx1"/>
+          </a:fontRef>
+        </p:style>
+      </p:cxnSp>
+      <p:cxnSp>
+        <p:nvCxnSpPr>
+          <p:cNvPr id="43" name="직선 연결선 42"/>
+          <p:cNvCxnSpPr/>
+          <p:nvPr/>
+        </p:nvCxnSpPr>
+        <p:spPr>
+          <a:xfrm>
+            <a:off x="7217157" y="5274915"/>
+            <a:ext cx="835161" cy="0"/>
+          </a:xfrm>
+          <a:prstGeom prst="line">
+            <a:avLst/>
+          </a:prstGeom>
+          <a:ln w="12700">
+            <a:solidFill>
+              <a:schemeClr val="tx1"/>
+            </a:solidFill>
+            <a:prstDash val="sysDash"/>
+          </a:ln>
+        </p:spPr>
+        <p:style>
+          <a:lnRef idx="1">
+            <a:schemeClr val="accent1"/>
+          </a:lnRef>
+          <a:fillRef idx="0">
+            <a:schemeClr val="accent1"/>
+          </a:fillRef>
+          <a:effectRef idx="0">
+            <a:schemeClr val="accent1"/>
+          </a:effectRef>
+          <a:fontRef idx="minor">
+            <a:schemeClr val="tx1"/>
+          </a:fontRef>
+        </p:style>
+      </p:cxnSp>
+      <p:cxnSp>
+        <p:nvCxnSpPr>
+          <p:cNvPr id="45" name="직선 연결선 44"/>
+          <p:cNvCxnSpPr/>
+          <p:nvPr/>
+        </p:nvCxnSpPr>
+        <p:spPr>
+          <a:xfrm>
+            <a:off x="5212717" y="5542386"/>
+            <a:ext cx="2839601" cy="0"/>
+          </a:xfrm>
+          <a:prstGeom prst="line">
+            <a:avLst/>
+          </a:prstGeom>
+          <a:ln w="12700">
+            <a:solidFill>
+              <a:schemeClr val="tx1"/>
+            </a:solidFill>
+            <a:prstDash val="sysDash"/>
+          </a:ln>
+        </p:spPr>
+        <p:style>
+          <a:lnRef idx="1">
+            <a:schemeClr val="accent1"/>
+          </a:lnRef>
+          <a:fillRef idx="0">
+            <a:schemeClr val="accent1"/>
+          </a:fillRef>
+          <a:effectRef idx="0">
+            <a:schemeClr val="accent1"/>
+          </a:effectRef>
+          <a:fontRef idx="minor">
+            <a:schemeClr val="tx1"/>
+          </a:fontRef>
+        </p:style>
+      </p:cxnSp>
+      <p:sp>
+        <p:nvSpPr>
+          <p:cNvPr id="56" name="타원 55"/>
+          <p:cNvSpPr/>
+          <p:nvPr/>
+        </p:nvSpPr>
+        <p:spPr>
+          <a:xfrm>
+            <a:off x="8052318" y="3858258"/>
+            <a:ext cx="71437" cy="71437"/>
+          </a:xfrm>
+          <a:prstGeom prst="ellipse">
+            <a:avLst/>
+          </a:prstGeom>
+          <a:solidFill>
+            <a:schemeClr val="accent1">
+              <a:lumMod val="50000"/>
+            </a:schemeClr>
+          </a:solidFill>
+          <a:ln>
+            <a:solidFill>
+              <a:schemeClr val="bg1"/>
+            </a:solidFill>
+          </a:ln>
+        </p:spPr>
+        <p:style>
+          <a:lnRef idx="2">
+            <a:schemeClr val="accent1">
+              <a:shade val="50000"/>
+            </a:schemeClr>
+          </a:lnRef>
+          <a:fillRef idx="1">
+            <a:schemeClr val="accent1"/>
+          </a:fillRef>
+          <a:effectRef idx="0">
+            <a:schemeClr val="accent1"/>
+          </a:effectRef>
+          <a:fontRef idx="minor">
+            <a:schemeClr val="lt1"/>
+          </a:fontRef>
+        </p:style>
+        <p:txBody>
+          <a:bodyPr rtlCol="0" anchor="ctr"/>
+          <a:lstStyle/>
+          <a:p>
+            <a:pPr algn="ctr"/>
+            <a:endParaRPr lang="ko-KR" altLang="en-US"/>
+          </a:p>
+        </p:txBody>
+      </p:sp>
+      <p:sp>
+        <p:nvSpPr>
+          <p:cNvPr id="58" name="TextBox 57"/>
+          <p:cNvSpPr txBox="1"/>
+          <p:nvPr/>
+        </p:nvSpPr>
+        <p:spPr>
+          <a:xfrm>
+            <a:off x="8295724" y="3778560"/>
+            <a:ext cx="1228221" cy="230832"/>
+          </a:xfrm>
+          <a:prstGeom prst="rect">
+            <a:avLst/>
+          </a:prstGeom>
+          <a:noFill/>
+        </p:spPr>
+        <p:txBody>
+          <a:bodyPr wrap="none" rtlCol="0">
+            <a:spAutoFit/>
+          </a:bodyPr>
+          <a:lstStyle/>
+          <a:p>
+            <a:r>
+              <a:rPr lang="ko-KR" altLang="en-US" sz="900" dirty="0" smtClean="0">
+                <a:solidFill>
+                  <a:schemeClr val="accent1">
+                    <a:lumMod val="50000"/>
+                  </a:schemeClr>
+                </a:solidFill>
+              </a:rPr>
+              <a:t>앱 사용에 관한 문의</a:t>
+            </a:r>
+            <a:endParaRPr lang="ko-KR" altLang="en-US" sz="900" dirty="0">
+              <a:solidFill>
+                <a:schemeClr val="accent1">
+                  <a:lumMod val="50000"/>
+                </a:schemeClr>
+              </a:solidFill>
+            </a:endParaRPr>
+          </a:p>
+        </p:txBody>
+      </p:sp>
+      <p:sp>
+        <p:nvSpPr>
+          <p:cNvPr id="59" name="타원 58"/>
+          <p:cNvSpPr/>
+          <p:nvPr/>
+        </p:nvSpPr>
+        <p:spPr>
+          <a:xfrm>
+            <a:off x="8052318" y="4952522"/>
+            <a:ext cx="71437" cy="71437"/>
+          </a:xfrm>
+          <a:prstGeom prst="ellipse">
+            <a:avLst/>
+          </a:prstGeom>
+          <a:solidFill>
+            <a:schemeClr val="accent2">
+              <a:lumMod val="75000"/>
+            </a:schemeClr>
+          </a:solidFill>
+          <a:ln>
+            <a:solidFill>
+              <a:schemeClr val="bg1"/>
+            </a:solidFill>
+          </a:ln>
+        </p:spPr>
+        <p:style>
+          <a:lnRef idx="2">
+            <a:schemeClr val="accent1">
+              <a:shade val="50000"/>
+            </a:schemeClr>
+          </a:lnRef>
+          <a:fillRef idx="1">
+            <a:schemeClr val="accent1"/>
+          </a:fillRef>
+          <a:effectRef idx="0">
+            <a:schemeClr val="accent1"/>
+          </a:effectRef>
+          <a:fontRef idx="minor">
+            <a:schemeClr val="lt1"/>
+          </a:fontRef>
+        </p:style>
+        <p:txBody>
+          <a:bodyPr rtlCol="0" anchor="ctr"/>
+          <a:lstStyle/>
+          <a:p>
+            <a:pPr algn="ctr"/>
+            <a:endParaRPr lang="ko-KR" altLang="en-US"/>
+          </a:p>
+        </p:txBody>
+      </p:sp>
+      <p:sp>
+        <p:nvSpPr>
+          <p:cNvPr id="60" name="타원 59"/>
+          <p:cNvSpPr/>
+          <p:nvPr/>
+        </p:nvSpPr>
+        <p:spPr>
+          <a:xfrm>
+            <a:off x="8052318" y="5242809"/>
+            <a:ext cx="71437" cy="71437"/>
+          </a:xfrm>
+          <a:prstGeom prst="ellipse">
+            <a:avLst/>
+          </a:prstGeom>
+          <a:solidFill>
+            <a:schemeClr val="accent2">
+              <a:lumMod val="75000"/>
+            </a:schemeClr>
+          </a:solidFill>
+          <a:ln>
+            <a:solidFill>
+              <a:schemeClr val="bg1"/>
+            </a:solidFill>
+          </a:ln>
+        </p:spPr>
+        <p:style>
+          <a:lnRef idx="2">
+            <a:schemeClr val="accent1">
+              <a:shade val="50000"/>
+            </a:schemeClr>
+          </a:lnRef>
+          <a:fillRef idx="1">
+            <a:schemeClr val="accent1"/>
+          </a:fillRef>
+          <a:effectRef idx="0">
+            <a:schemeClr val="accent1"/>
+          </a:effectRef>
+          <a:fontRef idx="minor">
+            <a:schemeClr val="lt1"/>
+          </a:fontRef>
+        </p:style>
+        <p:txBody>
+          <a:bodyPr rtlCol="0" anchor="ctr"/>
+          <a:lstStyle/>
+          <a:p>
+            <a:pPr algn="ctr"/>
+            <a:endParaRPr lang="ko-KR" altLang="en-US"/>
+          </a:p>
+        </p:txBody>
+      </p:sp>
+      <p:sp>
+        <p:nvSpPr>
+          <p:cNvPr id="61" name="타원 60"/>
+          <p:cNvSpPr/>
+          <p:nvPr/>
+        </p:nvSpPr>
+        <p:spPr>
+          <a:xfrm>
+            <a:off x="8052318" y="5507226"/>
+            <a:ext cx="71437" cy="71437"/>
+          </a:xfrm>
+          <a:prstGeom prst="ellipse">
+            <a:avLst/>
+          </a:prstGeom>
+          <a:solidFill>
+            <a:schemeClr val="accent2">
+              <a:lumMod val="75000"/>
+            </a:schemeClr>
+          </a:solidFill>
+          <a:ln>
+            <a:solidFill>
+              <a:schemeClr val="bg1"/>
+            </a:solidFill>
+          </a:ln>
+        </p:spPr>
+        <p:style>
+          <a:lnRef idx="2">
+            <a:schemeClr val="accent1">
+              <a:shade val="50000"/>
+            </a:schemeClr>
+          </a:lnRef>
+          <a:fillRef idx="1">
+            <a:schemeClr val="accent1"/>
+          </a:fillRef>
+          <a:effectRef idx="0">
+            <a:schemeClr val="accent1"/>
+          </a:effectRef>
+          <a:fontRef idx="minor">
+            <a:schemeClr val="lt1"/>
+          </a:fontRef>
+        </p:style>
+        <p:txBody>
+          <a:bodyPr rtlCol="0" anchor="ctr"/>
+          <a:lstStyle/>
+          <a:p>
+            <a:pPr algn="ctr"/>
+            <a:endParaRPr lang="ko-KR" altLang="en-US"/>
+          </a:p>
+        </p:txBody>
+      </p:sp>
+      <p:sp>
+        <p:nvSpPr>
+          <p:cNvPr id="62" name="TextBox 61"/>
+          <p:cNvSpPr txBox="1"/>
+          <p:nvPr/>
+        </p:nvSpPr>
+        <p:spPr>
+          <a:xfrm>
+            <a:off x="8301986" y="4872824"/>
+            <a:ext cx="1188147" cy="230832"/>
+          </a:xfrm>
+          <a:prstGeom prst="rect">
+            <a:avLst/>
+          </a:prstGeom>
+          <a:noFill/>
+        </p:spPr>
+        <p:txBody>
+          <a:bodyPr wrap="none" rtlCol="0">
+            <a:spAutoFit/>
+          </a:bodyPr>
+          <a:lstStyle/>
+          <a:p>
+            <a:r>
+              <a:rPr lang="ko-KR" altLang="en-US" sz="900" dirty="0" smtClean="0">
+                <a:solidFill>
+                  <a:schemeClr val="accent2">
+                    <a:lumMod val="75000"/>
+                  </a:schemeClr>
+                </a:solidFill>
+              </a:rPr>
+              <a:t>높은 정보 업데이트</a:t>
+            </a:r>
+            <a:endParaRPr lang="ko-KR" altLang="en-US" sz="900" dirty="0">
+              <a:solidFill>
+                <a:schemeClr val="accent2">
+                  <a:lumMod val="75000"/>
+                </a:schemeClr>
+              </a:solidFill>
+            </a:endParaRPr>
+          </a:p>
+        </p:txBody>
+      </p:sp>
+      <p:sp>
+        <p:nvSpPr>
+          <p:cNvPr id="63" name="TextBox 62"/>
+          <p:cNvSpPr txBox="1"/>
+          <p:nvPr/>
+        </p:nvSpPr>
+        <p:spPr>
+          <a:xfrm>
+            <a:off x="8295724" y="5146846"/>
+            <a:ext cx="1960793" cy="230832"/>
+          </a:xfrm>
+          <a:prstGeom prst="rect">
+            <a:avLst/>
+          </a:prstGeom>
+          <a:noFill/>
+        </p:spPr>
+        <p:txBody>
+          <a:bodyPr wrap="none" rtlCol="0">
+            <a:spAutoFit/>
+          </a:bodyPr>
+          <a:lstStyle/>
+          <a:p>
+            <a:r>
+              <a:rPr lang="ko-KR" altLang="en-US" sz="900" dirty="0" smtClean="0">
+                <a:solidFill>
+                  <a:schemeClr val="accent2">
+                    <a:lumMod val="75000"/>
+                  </a:schemeClr>
+                </a:solidFill>
+              </a:rPr>
+              <a:t>가맹점주의 모바일 시루 이해 부족</a:t>
+            </a:r>
+            <a:endParaRPr lang="ko-KR" altLang="en-US" sz="900" dirty="0">
+              <a:solidFill>
+                <a:schemeClr val="accent2">
+                  <a:lumMod val="75000"/>
+                </a:schemeClr>
+              </a:solidFill>
+            </a:endParaRPr>
+          </a:p>
+        </p:txBody>
+      </p:sp>
+      <p:sp>
+        <p:nvSpPr>
+          <p:cNvPr id="64" name="TextBox 63"/>
+          <p:cNvSpPr txBox="1"/>
+          <p:nvPr/>
+        </p:nvSpPr>
+        <p:spPr>
+          <a:xfrm>
+            <a:off x="8301986" y="5426970"/>
+            <a:ext cx="1343638" cy="230832"/>
+          </a:xfrm>
+          <a:prstGeom prst="rect">
+            <a:avLst/>
+          </a:prstGeom>
+          <a:noFill/>
+        </p:spPr>
+        <p:txBody>
+          <a:bodyPr wrap="none" rtlCol="0">
+            <a:spAutoFit/>
+          </a:bodyPr>
+          <a:lstStyle/>
+          <a:p>
+            <a:r>
+              <a:rPr lang="ko-KR" altLang="en-US" sz="900" dirty="0" smtClean="0">
+                <a:solidFill>
+                  <a:schemeClr val="accent2">
+                    <a:lumMod val="75000"/>
+                  </a:schemeClr>
+                </a:solidFill>
+              </a:rPr>
+              <a:t>많은 요소의 결제 과정</a:t>
+            </a:r>
+            <a:endParaRPr lang="ko-KR" altLang="en-US" sz="900" dirty="0">
+              <a:solidFill>
+                <a:schemeClr val="accent2">
+                  <a:lumMod val="75000"/>
+                </a:schemeClr>
+              </a:solidFill>
             </a:endParaRPr>
           </a:p>
         </p:txBody>
